--- a/Sunular/MÖT-Hafta-1-Python.pptx
+++ b/Sunular/MÖT-Hafta-1-Python.pptx
@@ -5,7 +5,7 @@
     <p:sldMasterId id="2147483718" r:id="rId1"/>
   </p:sldMasterIdLst>
   <p:notesMasterIdLst>
-    <p:notesMasterId r:id="rId39"/>
+    <p:notesMasterId r:id="rId40"/>
   </p:notesMasterIdLst>
   <p:sldIdLst>
     <p:sldId id="256" r:id="rId2"/>
@@ -44,21 +44,22 @@
     <p:sldId id="302" r:id="rId35"/>
     <p:sldId id="308" r:id="rId36"/>
     <p:sldId id="303" r:id="rId37"/>
-    <p:sldId id="297" r:id="rId38"/>
+    <p:sldId id="310" r:id="rId38"/>
+    <p:sldId id="297" r:id="rId39"/>
   </p:sldIdLst>
   <p:sldSz cx="9144000" cy="5143500" type="screen16x9"/>
   <p:notesSz cx="6858000" cy="9144000"/>
   <p:embeddedFontLst>
     <p:embeddedFont>
       <p:font typeface="Arial Black" panose="020B0A04020102020204" pitchFamily="34" charset="0"/>
-      <p:bold r:id="rId40"/>
+      <p:bold r:id="rId41"/>
     </p:embeddedFont>
     <p:embeddedFont>
       <p:font typeface="Consolas" panose="020B0609020204030204" pitchFamily="49" charset="0"/>
-      <p:regular r:id="rId41"/>
-      <p:bold r:id="rId42"/>
-      <p:italic r:id="rId43"/>
-      <p:boldItalic r:id="rId44"/>
+      <p:regular r:id="rId42"/>
+      <p:bold r:id="rId43"/>
+      <p:italic r:id="rId44"/>
+      <p:boldItalic r:id="rId45"/>
     </p:embeddedFont>
   </p:embeddedFontLst>
   <p:defaultTextStyle>
@@ -852,7 +853,7 @@
             <a:fld id="{B61BEF0D-F0BB-DE4B-95CE-6DB70DBA9567}" type="datetimeFigureOut">
               <a:rPr lang="en-US" smtClean="0"/>
               <a:pPr/>
-              <a:t>9/27/2022</a:t>
+              <a:t>10/8/2023</a:t>
             </a:fld>
             <a:endParaRPr lang="en-US" dirty="0"/>
           </a:p>
@@ -1033,7 +1034,7 @@
             <a:fld id="{B61BEF0D-F0BB-DE4B-95CE-6DB70DBA9567}" type="datetimeFigureOut">
               <a:rPr lang="en-US" smtClean="0"/>
               <a:pPr/>
-              <a:t>9/27/2022</a:t>
+              <a:t>10/8/2023</a:t>
             </a:fld>
             <a:endParaRPr lang="en-US" dirty="0"/>
           </a:p>
@@ -1224,7 +1225,7 @@
             <a:fld id="{B61BEF0D-F0BB-DE4B-95CE-6DB70DBA9567}" type="datetimeFigureOut">
               <a:rPr lang="en-US" smtClean="0"/>
               <a:pPr/>
-              <a:t>9/27/2022</a:t>
+              <a:t>10/8/2023</a:t>
             </a:fld>
             <a:endParaRPr lang="en-US" dirty="0"/>
           </a:p>
@@ -1405,7 +1406,7 @@
             <a:fld id="{B61BEF0D-F0BB-DE4B-95CE-6DB70DBA9567}" type="datetimeFigureOut">
               <a:rPr lang="en-US" smtClean="0"/>
               <a:pPr/>
-              <a:t>9/27/2022</a:t>
+              <a:t>10/8/2023</a:t>
             </a:fld>
             <a:endParaRPr lang="en-US" dirty="0"/>
           </a:p>
@@ -1662,7 +1663,7 @@
             <a:fld id="{B61BEF0D-F0BB-DE4B-95CE-6DB70DBA9567}" type="datetimeFigureOut">
               <a:rPr lang="en-US" smtClean="0"/>
               <a:pPr/>
-              <a:t>9/27/2022</a:t>
+              <a:t>10/8/2023</a:t>
             </a:fld>
             <a:endParaRPr lang="en-US" dirty="0"/>
           </a:p>
@@ -1905,7 +1906,7 @@
             <a:fld id="{B61BEF0D-F0BB-DE4B-95CE-6DB70DBA9567}" type="datetimeFigureOut">
               <a:rPr lang="en-US" smtClean="0"/>
               <a:pPr/>
-              <a:t>9/27/2022</a:t>
+              <a:t>10/8/2023</a:t>
             </a:fld>
             <a:endParaRPr lang="en-US" dirty="0"/>
           </a:p>
@@ -2283,7 +2284,7 @@
             <a:fld id="{B61BEF0D-F0BB-DE4B-95CE-6DB70DBA9567}" type="datetimeFigureOut">
               <a:rPr lang="en-US" smtClean="0"/>
               <a:pPr/>
-              <a:t>9/27/2022</a:t>
+              <a:t>10/8/2023</a:t>
             </a:fld>
             <a:endParaRPr lang="en-US" dirty="0"/>
           </a:p>
@@ -2412,7 +2413,7 @@
             <a:fld id="{B61BEF0D-F0BB-DE4B-95CE-6DB70DBA9567}" type="datetimeFigureOut">
               <a:rPr lang="en-US" smtClean="0"/>
               <a:pPr/>
-              <a:t>9/27/2022</a:t>
+              <a:t>10/8/2023</a:t>
             </a:fld>
             <a:endParaRPr lang="en-US" dirty="0"/>
           </a:p>
@@ -2518,7 +2519,7 @@
             <a:fld id="{B61BEF0D-F0BB-DE4B-95CE-6DB70DBA9567}" type="datetimeFigureOut">
               <a:rPr lang="en-US" smtClean="0"/>
               <a:pPr/>
-              <a:t>9/27/2022</a:t>
+              <a:t>10/8/2023</a:t>
             </a:fld>
             <a:endParaRPr lang="en-US" dirty="0"/>
           </a:p>
@@ -2806,7 +2807,7 @@
             <a:fld id="{B61BEF0D-F0BB-DE4B-95CE-6DB70DBA9567}" type="datetimeFigureOut">
               <a:rPr lang="en-US" smtClean="0"/>
               <a:pPr/>
-              <a:t>9/27/2022</a:t>
+              <a:t>10/8/2023</a:t>
             </a:fld>
             <a:endParaRPr lang="en-US" dirty="0"/>
           </a:p>
@@ -3074,7 +3075,7 @@
             <a:fld id="{B61BEF0D-F0BB-DE4B-95CE-6DB70DBA9567}" type="datetimeFigureOut">
               <a:rPr lang="en-US" smtClean="0"/>
               <a:pPr/>
-              <a:t>9/27/2022</a:t>
+              <a:t>10/8/2023</a:t>
             </a:fld>
             <a:endParaRPr lang="en-US" dirty="0"/>
           </a:p>
@@ -3298,7 +3299,7 @@
             <a:fld id="{B61BEF0D-F0BB-DE4B-95CE-6DB70DBA9567}" type="datetimeFigureOut">
               <a:rPr lang="en-US" smtClean="0"/>
               <a:pPr/>
-              <a:t>9/27/2022</a:t>
+              <a:t>10/8/2023</a:t>
             </a:fld>
             <a:endParaRPr lang="en-US" dirty="0"/>
           </a:p>
@@ -6247,8 +6248,8 @@
         </p:nvSpPr>
         <p:spPr>
           <a:xfrm>
-            <a:off x="628650" y="1268016"/>
-            <a:ext cx="5124787" cy="3046988"/>
+            <a:off x="294822" y="1166416"/>
+            <a:ext cx="6236607" cy="3508653"/>
           </a:xfrm>
           <a:prstGeom prst="rect">
             <a:avLst/>
@@ -6261,19 +6262,19 @@
           <a:lstStyle/>
           <a:p>
             <a:r>
-              <a:rPr lang="en-US" sz="1200" dirty="0">
+              <a:rPr lang="en-US" sz="1400" dirty="0">
                 <a:latin typeface="Consolas" panose="020B0609020204030204" pitchFamily="49" charset="0"/>
               </a:rPr>
               <a:t>def </a:t>
             </a:r>
             <a:r>
-              <a:rPr lang="en-US" sz="1200" dirty="0" err="1">
+              <a:rPr lang="en-US" sz="1400" dirty="0" err="1">
                 <a:latin typeface="Consolas" panose="020B0609020204030204" pitchFamily="49" charset="0"/>
               </a:rPr>
               <a:t>my_function</a:t>
             </a:r>
             <a:r>
-              <a:rPr lang="en-US" sz="1200" dirty="0">
+              <a:rPr lang="en-US" sz="1400" dirty="0">
                 <a:latin typeface="Consolas" panose="020B0609020204030204" pitchFamily="49" charset="0"/>
               </a:rPr>
               <a:t>():</a:t>
@@ -6281,7 +6282,7 @@
           </a:p>
           <a:p>
             <a:r>
-              <a:rPr lang="en-US" sz="1200" dirty="0">
+              <a:rPr lang="en-US" sz="1400" dirty="0">
                 <a:latin typeface="Consolas" panose="020B0609020204030204" pitchFamily="49" charset="0"/>
               </a:rPr>
               <a:t>    print("Hello From My Function!")</a:t>
@@ -6289,24 +6290,24 @@
           </a:p>
           <a:p>
             <a:br>
-              <a:rPr lang="en-US" sz="1200" dirty="0">
+              <a:rPr lang="en-US" sz="1400" dirty="0">
                 <a:latin typeface="Consolas" panose="020B0609020204030204" pitchFamily="49" charset="0"/>
               </a:rPr>
             </a:br>
             <a:r>
-              <a:rPr lang="en-US" sz="1200" dirty="0">
+              <a:rPr lang="en-US" sz="1400" dirty="0">
                 <a:latin typeface="Consolas" panose="020B0609020204030204" pitchFamily="49" charset="0"/>
               </a:rPr>
               <a:t>def </a:t>
             </a:r>
             <a:r>
-              <a:rPr lang="en-US" sz="1200" dirty="0" err="1">
+              <a:rPr lang="en-US" sz="1400" dirty="0" err="1">
                 <a:latin typeface="Consolas" panose="020B0609020204030204" pitchFamily="49" charset="0"/>
               </a:rPr>
               <a:t>my_function_with_args</a:t>
             </a:r>
             <a:r>
-              <a:rPr lang="en-US" sz="1200" dirty="0">
+              <a:rPr lang="en-US" sz="1400" dirty="0">
                 <a:latin typeface="Consolas" panose="020B0609020204030204" pitchFamily="49" charset="0"/>
               </a:rPr>
               <a:t>(username, message):</a:t>
@@ -6314,7 +6315,7 @@
           </a:p>
           <a:p>
             <a:r>
-              <a:rPr lang="en-US" sz="1200" dirty="0">
+              <a:rPr lang="en-US" sz="1400" dirty="0">
                 <a:latin typeface="Consolas" panose="020B0609020204030204" pitchFamily="49" charset="0"/>
               </a:rPr>
               <a:t>    print("Hello, %s , you are my %s"%(username, message))</a:t>
@@ -6322,24 +6323,24 @@
           </a:p>
           <a:p>
             <a:br>
-              <a:rPr lang="en-US" sz="1200" dirty="0">
+              <a:rPr lang="en-US" sz="1400" dirty="0">
                 <a:latin typeface="Consolas" panose="020B0609020204030204" pitchFamily="49" charset="0"/>
               </a:rPr>
             </a:br>
             <a:r>
-              <a:rPr lang="en-US" sz="1200" dirty="0">
+              <a:rPr lang="en-US" sz="1400" dirty="0">
                 <a:latin typeface="Consolas" panose="020B0609020204030204" pitchFamily="49" charset="0"/>
               </a:rPr>
               <a:t>def </a:t>
             </a:r>
             <a:r>
-              <a:rPr lang="en-US" sz="1200" dirty="0" err="1">
+              <a:rPr lang="en-US" sz="1400" dirty="0" err="1">
                 <a:latin typeface="Consolas" panose="020B0609020204030204" pitchFamily="49" charset="0"/>
               </a:rPr>
               <a:t>sum_two_numbers</a:t>
             </a:r>
             <a:r>
-              <a:rPr lang="en-US" sz="1200" dirty="0">
+              <a:rPr lang="en-US" sz="1400" dirty="0">
                 <a:latin typeface="Consolas" panose="020B0609020204030204" pitchFamily="49" charset="0"/>
               </a:rPr>
               <a:t>(a, b):</a:t>
@@ -6347,7 +6348,7 @@
           </a:p>
           <a:p>
             <a:r>
-              <a:rPr lang="en-US" sz="1200" dirty="0">
+              <a:rPr lang="en-US" sz="1400" dirty="0">
                 <a:latin typeface="Consolas" panose="020B0609020204030204" pitchFamily="49" charset="0"/>
               </a:rPr>
               <a:t>    return a + b</a:t>
@@ -6355,18 +6356,18 @@
           </a:p>
           <a:p>
             <a:br>
-              <a:rPr lang="en-US" sz="1200" dirty="0">
+              <a:rPr lang="en-US" sz="1400" dirty="0">
                 <a:latin typeface="Consolas" panose="020B0609020204030204" pitchFamily="49" charset="0"/>
               </a:rPr>
             </a:br>
             <a:r>
-              <a:rPr lang="en-US" sz="1200" dirty="0" err="1">
+              <a:rPr lang="en-US" sz="1400" dirty="0" err="1">
                 <a:latin typeface="Consolas" panose="020B0609020204030204" pitchFamily="49" charset="0"/>
               </a:rPr>
               <a:t>my_function</a:t>
             </a:r>
             <a:r>
-              <a:rPr lang="en-US" sz="1200" dirty="0">
+              <a:rPr lang="en-US" sz="1400" dirty="0">
                 <a:latin typeface="Consolas" panose="020B0609020204030204" pitchFamily="49" charset="0"/>
               </a:rPr>
               <a:t>()</a:t>
@@ -6374,18 +6375,18 @@
           </a:p>
           <a:p>
             <a:br>
-              <a:rPr lang="en-US" sz="1200" dirty="0">
+              <a:rPr lang="en-US" sz="1400" dirty="0">
                 <a:latin typeface="Consolas" panose="020B0609020204030204" pitchFamily="49" charset="0"/>
               </a:rPr>
             </a:br>
             <a:r>
-              <a:rPr lang="en-US" sz="1200" dirty="0" err="1">
+              <a:rPr lang="en-US" sz="1400" dirty="0" err="1">
                 <a:latin typeface="Consolas" panose="020B0609020204030204" pitchFamily="49" charset="0"/>
               </a:rPr>
               <a:t>my_function_with_args</a:t>
             </a:r>
             <a:r>
-              <a:rPr lang="en-US" sz="1200" dirty="0">
+              <a:rPr lang="en-US" sz="1400" dirty="0">
                 <a:latin typeface="Consolas" panose="020B0609020204030204" pitchFamily="49" charset="0"/>
               </a:rPr>
               <a:t>("John", "best friend!")</a:t>
@@ -6393,24 +6394,24 @@
           </a:p>
           <a:p>
             <a:br>
-              <a:rPr lang="en-US" sz="1200" dirty="0">
+              <a:rPr lang="en-US" sz="1400" dirty="0">
                 <a:latin typeface="Consolas" panose="020B0609020204030204" pitchFamily="49" charset="0"/>
               </a:rPr>
             </a:br>
             <a:r>
-              <a:rPr lang="en-US" sz="1200" dirty="0">
+              <a:rPr lang="en-US" sz="1400" dirty="0">
                 <a:latin typeface="Consolas" panose="020B0609020204030204" pitchFamily="49" charset="0"/>
               </a:rPr>
               <a:t>x = </a:t>
             </a:r>
             <a:r>
-              <a:rPr lang="en-US" sz="1200" dirty="0" err="1">
+              <a:rPr lang="en-US" sz="1400" dirty="0" err="1">
                 <a:latin typeface="Consolas" panose="020B0609020204030204" pitchFamily="49" charset="0"/>
               </a:rPr>
               <a:t>sum_two_numbers</a:t>
             </a:r>
             <a:r>
-              <a:rPr lang="en-US" sz="1200" dirty="0">
+              <a:rPr lang="en-US" sz="1400" dirty="0">
                 <a:latin typeface="Consolas" panose="020B0609020204030204" pitchFamily="49" charset="0"/>
               </a:rPr>
               <a:t>(1,2)</a:t>
@@ -6418,7 +6419,7 @@
           </a:p>
           <a:p>
             <a:r>
-              <a:rPr lang="en-US" sz="1200" dirty="0">
+              <a:rPr lang="en-US" sz="1400" dirty="0">
                 <a:latin typeface="Consolas" panose="020B0609020204030204" pitchFamily="49" charset="0"/>
               </a:rPr>
               <a:t>print(x)</a:t>
@@ -6446,8 +6447,8 @@
         </p:nvSpPr>
         <p:spPr>
           <a:xfrm>
-            <a:off x="6391191" y="1268016"/>
-            <a:ext cx="2124159" cy="1384995"/>
+            <a:off x="6391191" y="1166416"/>
+            <a:ext cx="2585895" cy="1600438"/>
           </a:xfrm>
           <a:prstGeom prst="rect">
             <a:avLst/>
@@ -6460,7 +6461,7 @@
           <a:lstStyle/>
           <a:p>
             <a:r>
-              <a:rPr lang="en-US" sz="1200" dirty="0">
+              <a:rPr lang="en-US" sz="1400" dirty="0">
                 <a:latin typeface="Courier New" panose="02070309020205020404" pitchFamily="49" charset="0"/>
               </a:rPr>
               <a:t>def power(a, b):</a:t>
@@ -6468,7 +6469,7 @@
           </a:p>
           <a:p>
             <a:r>
-              <a:rPr lang="en-US" sz="1200" dirty="0">
+              <a:rPr lang="en-US" sz="1400" dirty="0">
                 <a:latin typeface="Courier New" panose="02070309020205020404" pitchFamily="49" charset="0"/>
               </a:rPr>
               <a:t>  result = 1</a:t>
@@ -6476,19 +6477,19 @@
           </a:p>
           <a:p>
             <a:r>
-              <a:rPr lang="en-US" sz="1200" dirty="0">
+              <a:rPr lang="en-US" sz="1400" dirty="0">
                 <a:latin typeface="Courier New" panose="02070309020205020404" pitchFamily="49" charset="0"/>
               </a:rPr>
               <a:t>  for </a:t>
             </a:r>
             <a:r>
-              <a:rPr lang="en-US" sz="1200" dirty="0" err="1">
+              <a:rPr lang="en-US" sz="1400" dirty="0" err="1">
                 <a:latin typeface="Courier New" panose="02070309020205020404" pitchFamily="49" charset="0"/>
               </a:rPr>
               <a:t>i</a:t>
             </a:r>
             <a:r>
-              <a:rPr lang="en-US" sz="1200" dirty="0">
+              <a:rPr lang="en-US" sz="1400" dirty="0">
                 <a:latin typeface="Courier New" panose="02070309020205020404" pitchFamily="49" charset="0"/>
               </a:rPr>
               <a:t> in range (b):</a:t>
@@ -6496,7 +6497,7 @@
           </a:p>
           <a:p>
             <a:r>
-              <a:rPr lang="en-US" sz="1200" dirty="0">
+              <a:rPr lang="en-US" sz="1400" dirty="0">
                 <a:latin typeface="Courier New" panose="02070309020205020404" pitchFamily="49" charset="0"/>
               </a:rPr>
               <a:t>    result *= a</a:t>
@@ -6504,7 +6505,7 @@
           </a:p>
           <a:p>
             <a:r>
-              <a:rPr lang="en-US" sz="1200" dirty="0">
+              <a:rPr lang="en-US" sz="1400" dirty="0">
                 <a:latin typeface="Courier New" panose="02070309020205020404" pitchFamily="49" charset="0"/>
               </a:rPr>
               <a:t>  return result</a:t>
@@ -6512,17 +6513,17 @@
           </a:p>
           <a:p>
             <a:br>
-              <a:rPr lang="en-US" sz="1200" dirty="0">
+              <a:rPr lang="en-US" sz="1400" dirty="0">
                 <a:latin typeface="Courier New" panose="02070309020205020404" pitchFamily="49" charset="0"/>
               </a:rPr>
             </a:br>
             <a:r>
-              <a:rPr lang="en-US" sz="1200" dirty="0">
+              <a:rPr lang="en-US" sz="1400" dirty="0">
                 <a:latin typeface="Courier New" panose="02070309020205020404" pitchFamily="49" charset="0"/>
               </a:rPr>
               <a:t>power(2,3)</a:t>
             </a:r>
-            <a:endParaRPr lang="en-US" sz="1200" b="0" dirty="0">
+            <a:endParaRPr lang="en-US" sz="1400" b="0" dirty="0">
               <a:effectLst/>
               <a:latin typeface="Courier New" panose="02070309020205020404" pitchFamily="49" charset="0"/>
             </a:endParaRPr>
@@ -6575,7 +6576,12 @@
             <p:ph type="title"/>
           </p:nvPr>
         </p:nvSpPr>
-        <p:spPr/>
+        <p:spPr>
+          <a:xfrm>
+            <a:off x="628650" y="273844"/>
+            <a:ext cx="8275864" cy="994172"/>
+          </a:xfrm>
+        </p:spPr>
         <p:txBody>
           <a:bodyPr>
             <a:normAutofit fontScale="90000"/>
@@ -6615,8 +6621,8 @@
         </p:nvSpPr>
         <p:spPr>
           <a:xfrm>
-            <a:off x="628650" y="1268016"/>
-            <a:ext cx="5124787" cy="1754326"/>
+            <a:off x="1020535" y="1434931"/>
+            <a:ext cx="7629979" cy="2585323"/>
           </a:xfrm>
           <a:prstGeom prst="rect">
             <a:avLst/>
@@ -6629,13 +6635,13 @@
           <a:lstStyle/>
           <a:p>
             <a:r>
-              <a:rPr lang="en-US" sz="1200" dirty="0" err="1">
+              <a:rPr lang="en-US" dirty="0" err="1">
                 <a:latin typeface="Consolas" panose="020B0609020204030204" pitchFamily="49" charset="0"/>
               </a:rPr>
               <a:t>dataset_name</a:t>
             </a:r>
             <a:r>
-              <a:rPr lang="en-US" sz="1200" dirty="0">
+              <a:rPr lang="en-US" dirty="0">
                 <a:latin typeface="Consolas" panose="020B0609020204030204" pitchFamily="49" charset="0"/>
               </a:rPr>
               <a:t> ='Phrases_List.xlsx'</a:t>
@@ -6643,108 +6649,108 @@
           </a:p>
           <a:p>
             <a:r>
-              <a:rPr lang="en-US" sz="1200" dirty="0" err="1">
+              <a:rPr lang="en-US" dirty="0" err="1">
                 <a:latin typeface="Consolas" panose="020B0609020204030204" pitchFamily="49" charset="0"/>
               </a:rPr>
               <a:t>file_path</a:t>
             </a:r>
             <a:r>
-              <a:rPr lang="en-US" sz="1200" dirty="0">
+              <a:rPr lang="en-US" dirty="0">
                 <a:latin typeface="Consolas" panose="020B0609020204030204" pitchFamily="49" charset="0"/>
               </a:rPr>
               <a:t> = "./data/"+</a:t>
             </a:r>
             <a:r>
-              <a:rPr lang="en-US" sz="1200" dirty="0" err="1">
+              <a:rPr lang="en-US" dirty="0" err="1">
                 <a:latin typeface="Consolas" panose="020B0609020204030204" pitchFamily="49" charset="0"/>
               </a:rPr>
               <a:t>dataset_name</a:t>
             </a:r>
-            <a:endParaRPr lang="en-US" sz="1200" dirty="0">
+            <a:endParaRPr lang="en-US" dirty="0">
               <a:latin typeface="Consolas" panose="020B0609020204030204" pitchFamily="49" charset="0"/>
             </a:endParaRPr>
           </a:p>
           <a:p>
             <a:r>
-              <a:rPr lang="en-US" sz="1200" dirty="0">
+              <a:rPr lang="en-US" dirty="0">
                 <a:latin typeface="Consolas" panose="020B0609020204030204" pitchFamily="49" charset="0"/>
               </a:rPr>
               <a:t>print (</a:t>
             </a:r>
             <a:r>
-              <a:rPr lang="en-US" sz="1200" dirty="0" err="1">
+              <a:rPr lang="en-US" dirty="0" err="1">
                 <a:latin typeface="Consolas" panose="020B0609020204030204" pitchFamily="49" charset="0"/>
               </a:rPr>
               <a:t>file_path</a:t>
             </a:r>
             <a:r>
-              <a:rPr lang="en-US" sz="1200" dirty="0">
+              <a:rPr lang="en-US" dirty="0">
                 <a:latin typeface="Consolas" panose="020B0609020204030204" pitchFamily="49" charset="0"/>
               </a:rPr>
               <a:t>," </a:t>
             </a:r>
             <a:r>
-              <a:rPr lang="en-US" sz="1200" dirty="0" err="1">
+              <a:rPr lang="en-US" dirty="0" err="1">
                 <a:latin typeface="Consolas" panose="020B0609020204030204" pitchFamily="49" charset="0"/>
               </a:rPr>
               <a:t>isleniyor</a:t>
             </a:r>
             <a:r>
-              <a:rPr lang="en-US" sz="1200" dirty="0">
+              <a:rPr lang="en-US" dirty="0">
                 <a:latin typeface="Consolas" panose="020B0609020204030204" pitchFamily="49" charset="0"/>
               </a:rPr>
               <a:t>...")</a:t>
             </a:r>
           </a:p>
           <a:p>
-            <a:endParaRPr lang="en-US" sz="1200" dirty="0">
+            <a:endParaRPr lang="en-US" dirty="0">
               <a:latin typeface="Consolas" panose="020B0609020204030204" pitchFamily="49" charset="0"/>
             </a:endParaRPr>
           </a:p>
           <a:p>
             <a:r>
-              <a:rPr lang="en-US" sz="1200" dirty="0">
+              <a:rPr lang="en-US" dirty="0">
                 <a:latin typeface="Consolas" panose="020B0609020204030204" pitchFamily="49" charset="0"/>
               </a:rPr>
               <a:t>dataset=</a:t>
             </a:r>
             <a:r>
-              <a:rPr lang="en-US" sz="1200" dirty="0" err="1">
+              <a:rPr lang="en-US" dirty="0" err="1">
                 <a:latin typeface="Consolas" panose="020B0609020204030204" pitchFamily="49" charset="0"/>
               </a:rPr>
               <a:t>pd.read_excel</a:t>
             </a:r>
             <a:r>
-              <a:rPr lang="en-US" sz="1200" dirty="0">
+              <a:rPr lang="en-US" dirty="0">
                 <a:latin typeface="Consolas" panose="020B0609020204030204" pitchFamily="49" charset="0"/>
               </a:rPr>
               <a:t>(</a:t>
             </a:r>
             <a:r>
-              <a:rPr lang="en-US" sz="1200" dirty="0" err="1">
+              <a:rPr lang="en-US" dirty="0" err="1">
                 <a:latin typeface="Consolas" panose="020B0609020204030204" pitchFamily="49" charset="0"/>
               </a:rPr>
               <a:t>file_path</a:t>
             </a:r>
             <a:r>
-              <a:rPr lang="en-US" sz="1200" dirty="0">
+              <a:rPr lang="en-US" dirty="0">
                 <a:latin typeface="Consolas" panose="020B0609020204030204" pitchFamily="49" charset="0"/>
               </a:rPr>
               <a:t>, comment='#’)</a:t>
             </a:r>
             <a:r>
-              <a:rPr lang="tr-TR" sz="1200" dirty="0">
+              <a:rPr lang="tr-TR" dirty="0">
                 <a:latin typeface="Consolas" panose="020B0609020204030204" pitchFamily="49" charset="0"/>
               </a:rPr>
               <a:t>  #pandas</a:t>
             </a:r>
-            <a:endParaRPr lang="en-US" sz="1200" dirty="0">
+            <a:endParaRPr lang="en-US" dirty="0">
               <a:latin typeface="Consolas" panose="020B0609020204030204" pitchFamily="49" charset="0"/>
             </a:endParaRPr>
           </a:p>
           <a:p>
             <a:r>
-              <a:rPr lang="en-US" sz="1200" dirty="0">
+              <a:rPr lang="en-US" dirty="0">
                 <a:latin typeface="Consolas" panose="020B0609020204030204" pitchFamily="49" charset="0"/>
               </a:rPr>
               <a:t>  </a:t>
@@ -6752,7 +6758,7 @@
           </a:p>
           <a:p>
             <a:r>
-              <a:rPr lang="en-US" sz="1200" dirty="0">
+              <a:rPr lang="en-US" dirty="0">
                 <a:latin typeface="Consolas" panose="020B0609020204030204" pitchFamily="49" charset="0"/>
               </a:rPr>
               <a:t>            </a:t>
@@ -6760,47 +6766,47 @@
           </a:p>
           <a:p>
             <a:r>
-              <a:rPr lang="en-US" sz="1200" dirty="0" err="1">
+              <a:rPr lang="en-US" dirty="0" err="1">
                 <a:latin typeface="Consolas" panose="020B0609020204030204" pitchFamily="49" charset="0"/>
               </a:rPr>
               <a:t>veriseti</a:t>
             </a:r>
             <a:r>
-              <a:rPr lang="en-US" sz="1200" dirty="0">
+              <a:rPr lang="en-US" dirty="0">
                 <a:latin typeface="Consolas" panose="020B0609020204030204" pitchFamily="49" charset="0"/>
               </a:rPr>
               <a:t>=</a:t>
             </a:r>
             <a:r>
-              <a:rPr lang="en-US" sz="1200" dirty="0" err="1">
+              <a:rPr lang="en-US" dirty="0" err="1">
                 <a:latin typeface="Consolas" panose="020B0609020204030204" pitchFamily="49" charset="0"/>
               </a:rPr>
               <a:t>dataset.values</a:t>
             </a:r>
-            <a:endParaRPr lang="en-US" sz="1200" dirty="0">
+            <a:endParaRPr lang="en-US" dirty="0">
               <a:latin typeface="Consolas" panose="020B0609020204030204" pitchFamily="49" charset="0"/>
             </a:endParaRPr>
           </a:p>
           <a:p>
             <a:r>
-              <a:rPr lang="en-US" sz="1200" dirty="0">
+              <a:rPr lang="en-US" dirty="0">
                 <a:latin typeface="Consolas" panose="020B0609020204030204" pitchFamily="49" charset="0"/>
               </a:rPr>
               <a:t>print (</a:t>
             </a:r>
             <a:r>
-              <a:rPr lang="en-US" sz="1200" dirty="0" err="1">
+              <a:rPr lang="en-US" dirty="0" err="1">
                 <a:latin typeface="Consolas" panose="020B0609020204030204" pitchFamily="49" charset="0"/>
               </a:rPr>
               <a:t>veriseti.shape</a:t>
             </a:r>
             <a:r>
-              <a:rPr lang="en-US" sz="1200" dirty="0">
+              <a:rPr lang="en-US" dirty="0">
                 <a:latin typeface="Consolas" panose="020B0609020204030204" pitchFamily="49" charset="0"/>
               </a:rPr>
               <a:t>)</a:t>
             </a:r>
-            <a:endParaRPr lang="en-US" sz="1200" b="0" dirty="0">
+            <a:endParaRPr lang="en-US" b="0" dirty="0">
               <a:effectLst/>
               <a:latin typeface="Consolas" panose="020B0609020204030204" pitchFamily="49" charset="0"/>
             </a:endParaRPr>
@@ -6913,7 +6919,7 @@
         <p:spPr>
           <a:xfrm>
             <a:off x="628650" y="1268016"/>
-            <a:ext cx="5124787" cy="1384995"/>
+            <a:ext cx="7557407" cy="2677656"/>
           </a:xfrm>
           <a:prstGeom prst="rect">
             <a:avLst/>
@@ -6925,137 +6931,157 @@
           </a:bodyPr>
           <a:lstStyle/>
           <a:p>
-            <a:r>
-              <a:rPr lang="en-US" sz="1200" dirty="0" err="1">
+            <a:pPr>
+              <a:lnSpc>
+                <a:spcPct val="150000"/>
+              </a:lnSpc>
+            </a:pPr>
+            <a:r>
+              <a:rPr lang="en-US" sz="2000" dirty="0" err="1">
                 <a:latin typeface="Consolas" panose="020B0609020204030204" pitchFamily="49" charset="0"/>
               </a:rPr>
               <a:t>def</a:t>
             </a:r>
             <a:r>
-              <a:rPr lang="en-US" sz="1200" dirty="0">
+              <a:rPr lang="en-US" sz="2000" dirty="0">
                 <a:latin typeface="Consolas" panose="020B0609020204030204" pitchFamily="49" charset="0"/>
               </a:rPr>
               <a:t> </a:t>
             </a:r>
             <a:r>
-              <a:rPr lang="en-US" sz="1200" dirty="0" err="1">
+              <a:rPr lang="en-US" sz="2000" dirty="0" err="1">
                 <a:latin typeface="Consolas" panose="020B0609020204030204" pitchFamily="49" charset="0"/>
               </a:rPr>
               <a:t>to_array_and_reshape</a:t>
             </a:r>
             <a:r>
-              <a:rPr lang="en-US" sz="1200" dirty="0">
+              <a:rPr lang="en-US" sz="2000" dirty="0">
                 <a:latin typeface="Consolas" panose="020B0609020204030204" pitchFamily="49" charset="0"/>
               </a:rPr>
               <a:t>(X):</a:t>
             </a:r>
           </a:p>
           <a:p>
-            <a:r>
-              <a:rPr lang="en-US" sz="1200" dirty="0">
+            <a:pPr>
+              <a:lnSpc>
+                <a:spcPct val="150000"/>
+              </a:lnSpc>
+            </a:pPr>
+            <a:r>
+              <a:rPr lang="en-US" sz="2000" dirty="0">
                 <a:latin typeface="Consolas" panose="020B0609020204030204" pitchFamily="49" charset="0"/>
               </a:rPr>
               <a:t>    X=</a:t>
             </a:r>
             <a:r>
-              <a:rPr lang="en-US" sz="1200" dirty="0" err="1">
+              <a:rPr lang="en-US" sz="2000" dirty="0" err="1">
                 <a:latin typeface="Consolas" panose="020B0609020204030204" pitchFamily="49" charset="0"/>
               </a:rPr>
               <a:t>np.array</a:t>
             </a:r>
             <a:r>
-              <a:rPr lang="en-US" sz="1200" dirty="0">
+              <a:rPr lang="en-US" sz="2000" dirty="0">
                 <a:latin typeface="Consolas" panose="020B0609020204030204" pitchFamily="49" charset="0"/>
               </a:rPr>
               <a:t>(X)</a:t>
             </a:r>
           </a:p>
           <a:p>
-            <a:r>
-              <a:rPr lang="en-US" sz="1200" dirty="0">
+            <a:pPr>
+              <a:lnSpc>
+                <a:spcPct val="150000"/>
+              </a:lnSpc>
+            </a:pPr>
+            <a:r>
+              <a:rPr lang="en-US" sz="2000" dirty="0">
                 <a:latin typeface="Consolas" panose="020B0609020204030204" pitchFamily="49" charset="0"/>
               </a:rPr>
               <a:t>    X=</a:t>
             </a:r>
             <a:r>
-              <a:rPr lang="en-US" sz="1200" dirty="0" err="1">
+              <a:rPr lang="en-US" sz="2000" dirty="0" err="1">
                 <a:latin typeface="Consolas" panose="020B0609020204030204" pitchFamily="49" charset="0"/>
               </a:rPr>
               <a:t>X.reshape</a:t>
             </a:r>
             <a:r>
-              <a:rPr lang="en-US" sz="1200" dirty="0">
+              <a:rPr lang="en-US" sz="2000" dirty="0">
                 <a:latin typeface="Consolas" panose="020B0609020204030204" pitchFamily="49" charset="0"/>
               </a:rPr>
               <a:t>(</a:t>
             </a:r>
             <a:r>
-              <a:rPr lang="en-US" sz="1200" dirty="0" err="1">
+              <a:rPr lang="en-US" sz="2000" dirty="0" err="1">
                 <a:latin typeface="Consolas" panose="020B0609020204030204" pitchFamily="49" charset="0"/>
               </a:rPr>
               <a:t>X.shape</a:t>
             </a:r>
             <a:r>
-              <a:rPr lang="en-US" sz="1200" dirty="0">
+              <a:rPr lang="en-US" sz="2000" dirty="0">
                 <a:latin typeface="Consolas" panose="020B0609020204030204" pitchFamily="49" charset="0"/>
               </a:rPr>
               <a:t>[0],</a:t>
             </a:r>
             <a:r>
-              <a:rPr lang="en-US" sz="1200" dirty="0" err="1">
+              <a:rPr lang="en-US" sz="2000" dirty="0" err="1">
                 <a:latin typeface="Consolas" panose="020B0609020204030204" pitchFamily="49" charset="0"/>
               </a:rPr>
               <a:t>X.shape</a:t>
             </a:r>
             <a:r>
-              <a:rPr lang="en-US" sz="1200" dirty="0">
+              <a:rPr lang="en-US" sz="2000" dirty="0">
                 <a:latin typeface="Consolas" panose="020B0609020204030204" pitchFamily="49" charset="0"/>
               </a:rPr>
               <a:t>[1]*</a:t>
             </a:r>
             <a:r>
-              <a:rPr lang="en-US" sz="1200" dirty="0" err="1">
+              <a:rPr lang="en-US" sz="2000" dirty="0" err="1">
                 <a:latin typeface="Consolas" panose="020B0609020204030204" pitchFamily="49" charset="0"/>
               </a:rPr>
               <a:t>X.shape</a:t>
             </a:r>
             <a:r>
-              <a:rPr lang="en-US" sz="1200" dirty="0">
+              <a:rPr lang="en-US" sz="2000" dirty="0">
                 <a:latin typeface="Consolas" panose="020B0609020204030204" pitchFamily="49" charset="0"/>
               </a:rPr>
               <a:t>[2])</a:t>
             </a:r>
           </a:p>
           <a:p>
-            <a:r>
-              <a:rPr lang="en-US" sz="1200" dirty="0">
+            <a:pPr>
+              <a:lnSpc>
+                <a:spcPct val="150000"/>
+              </a:lnSpc>
+            </a:pPr>
+            <a:r>
+              <a:rPr lang="en-US" sz="2000" dirty="0">
                 <a:latin typeface="Consolas" panose="020B0609020204030204" pitchFamily="49" charset="0"/>
               </a:rPr>
               <a:t>    return X</a:t>
             </a:r>
-            <a:endParaRPr lang="tr-TR" sz="1200" dirty="0">
+            <a:endParaRPr lang="tr-TR" sz="2000" dirty="0">
               <a:latin typeface="Consolas" panose="020B0609020204030204" pitchFamily="49" charset="0"/>
             </a:endParaRPr>
           </a:p>
           <a:p>
-            <a:endParaRPr lang="tr-TR" sz="1200" b="0" dirty="0">
+            <a:endParaRPr lang="tr-TR" sz="1600" b="0" dirty="0">
               <a:effectLst/>
               <a:latin typeface="Consolas" panose="020B0609020204030204" pitchFamily="49" charset="0"/>
             </a:endParaRPr>
           </a:p>
           <a:p>
-            <a:endParaRPr lang="tr-TR" sz="1200" dirty="0">
+            <a:endParaRPr lang="tr-TR" sz="1600" dirty="0">
               <a:latin typeface="Consolas" panose="020B0609020204030204" pitchFamily="49" charset="0"/>
             </a:endParaRPr>
           </a:p>
           <a:p>
             <a:r>
-              <a:rPr lang="en-US" sz="1200" dirty="0">
+              <a:rPr lang="en-US" sz="1600" dirty="0">
                 <a:latin typeface="Consolas" panose="020B0609020204030204" pitchFamily="49" charset="0"/>
               </a:rPr>
               <a:t> </a:t>
             </a:r>
-            <a:endParaRPr lang="en-US" sz="1200" b="0" dirty="0">
+            <a:endParaRPr lang="en-US" sz="1600" b="0" dirty="0">
               <a:effectLst/>
               <a:latin typeface="Consolas" panose="020B0609020204030204" pitchFamily="49" charset="0"/>
             </a:endParaRPr>
@@ -14590,21 +14616,7 @@
                 <a:latin typeface="Times New Roman" panose="02020603050405020304" pitchFamily="18" charset="0"/>
                 <a:cs typeface="Times New Roman" panose="02020603050405020304" pitchFamily="18" charset="0"/>
               </a:rPr>
-              <a:t> gibi son model modelleri kapsayan hibrit bir yüz tanıma çerçevesi </a:t>
-            </a:r>
-            <a:r>
-              <a:rPr lang="tr-TR" sz="1500" b="1" dirty="0" err="1">
-                <a:latin typeface="Times New Roman" panose="02020603050405020304" pitchFamily="18" charset="0"/>
-                <a:cs typeface="Times New Roman" panose="02020603050405020304" pitchFamily="18" charset="0"/>
-              </a:rPr>
-              <a:t>olarakta</a:t>
-            </a:r>
-            <a:r>
-              <a:rPr lang="tr-TR" sz="1500" b="1" dirty="0">
-                <a:latin typeface="Times New Roman" panose="02020603050405020304" pitchFamily="18" charset="0"/>
-                <a:cs typeface="Times New Roman" panose="02020603050405020304" pitchFamily="18" charset="0"/>
-              </a:rPr>
-              <a:t> detaylı biçimde ifade edilebilir.</a:t>
+              <a:t> gibi son model modelleri kapsayan hibrit bir yüz tanıma çerçevesi olarak ta detaylı biçimde ifade edilebilir.</a:t>
             </a:r>
           </a:p>
         </p:txBody>
@@ -14623,6 +14635,459 @@
 </file>
 
 <file path=ppt/slides/slide37.xml><?xml version="1.0" encoding="utf-8"?>
+<p:sld xmlns:a="http://schemas.openxmlformats.org/drawingml/2006/main" xmlns:r="http://schemas.openxmlformats.org/officeDocument/2006/relationships" xmlns:p="http://schemas.openxmlformats.org/presentationml/2006/main">
+  <p:cSld>
+    <p:spTree>
+      <p:nvGrpSpPr>
+        <p:cNvPr id="1" name=""/>
+        <p:cNvGrpSpPr/>
+        <p:nvPr/>
+      </p:nvGrpSpPr>
+      <p:grpSpPr>
+        <a:xfrm>
+          <a:off x="0" y="0"/>
+          <a:ext cx="0" cy="0"/>
+          <a:chOff x="0" y="0"/>
+          <a:chExt cx="0" cy="0"/>
+        </a:xfrm>
+      </p:grpSpPr>
+      <p:sp>
+        <p:nvSpPr>
+          <p:cNvPr id="2" name="Title 1">
+            <a:extLst>
+              <a:ext uri="{FF2B5EF4-FFF2-40B4-BE49-F238E27FC236}">
+                <a16:creationId xmlns:a16="http://schemas.microsoft.com/office/drawing/2014/main" id="{F0D1455A-0A1C-851C-693C-5846F791482F}"/>
+              </a:ext>
+            </a:extLst>
+          </p:cNvPr>
+          <p:cNvSpPr>
+            <a:spLocks noGrp="1"/>
+          </p:cNvSpPr>
+          <p:nvPr>
+            <p:ph type="title"/>
+          </p:nvPr>
+        </p:nvSpPr>
+        <p:spPr>
+          <a:xfrm>
+            <a:off x="628650" y="196470"/>
+            <a:ext cx="7886700" cy="633524"/>
+          </a:xfrm>
+        </p:spPr>
+        <p:txBody>
+          <a:bodyPr>
+            <a:normAutofit/>
+          </a:bodyPr>
+          <a:lstStyle/>
+          <a:p>
+            <a:pPr algn="ctr"/>
+            <a:r>
+              <a:rPr lang="tr-TR" sz="2400" b="1" dirty="0">
+                <a:latin typeface="Times New Roman" panose="02020603050405020304" pitchFamily="18" charset="0"/>
+                <a:cs typeface="Times New Roman" panose="02020603050405020304" pitchFamily="18" charset="0"/>
+              </a:rPr>
+              <a:t>Python Önemli Kütüphaneler</a:t>
+            </a:r>
+          </a:p>
+        </p:txBody>
+      </p:sp>
+      <p:sp>
+        <p:nvSpPr>
+          <p:cNvPr id="3" name="Content Placeholder 2">
+            <a:extLst>
+              <a:ext uri="{FF2B5EF4-FFF2-40B4-BE49-F238E27FC236}">
+                <a16:creationId xmlns:a16="http://schemas.microsoft.com/office/drawing/2014/main" id="{54D45909-D3F3-F905-07CF-F011FD47BF14}"/>
+              </a:ext>
+            </a:extLst>
+          </p:cNvPr>
+          <p:cNvSpPr>
+            <a:spLocks noGrp="1"/>
+          </p:cNvSpPr>
+          <p:nvPr>
+            <p:ph idx="1"/>
+          </p:nvPr>
+        </p:nvSpPr>
+        <p:spPr>
+          <a:xfrm>
+            <a:off x="478302" y="777184"/>
+            <a:ext cx="8037048" cy="3739425"/>
+          </a:xfrm>
+        </p:spPr>
+        <p:txBody>
+          <a:bodyPr>
+            <a:noAutofit/>
+          </a:bodyPr>
+          <a:lstStyle/>
+          <a:p>
+            <a:r>
+              <a:rPr lang="tr-TR" sz="1800" b="1" dirty="0" err="1">
+                <a:solidFill>
+                  <a:srgbClr val="FFFF00"/>
+                </a:solidFill>
+                <a:latin typeface="Times New Roman" panose="02020603050405020304" pitchFamily="18" charset="0"/>
+                <a:cs typeface="Times New Roman" panose="02020603050405020304" pitchFamily="18" charset="0"/>
+              </a:rPr>
+              <a:t>DLib</a:t>
+            </a:r>
+            <a:r>
+              <a:rPr lang="tr-TR" sz="1800" b="1" dirty="0">
+                <a:solidFill>
+                  <a:srgbClr val="FFFF00"/>
+                </a:solidFill>
+                <a:latin typeface="Times New Roman" panose="02020603050405020304" pitchFamily="18" charset="0"/>
+                <a:cs typeface="Times New Roman" panose="02020603050405020304" pitchFamily="18" charset="0"/>
+              </a:rPr>
+              <a:t> : </a:t>
+            </a:r>
+          </a:p>
+          <a:p>
+            <a:pPr lvl="1"/>
+            <a:r>
+              <a:rPr lang="tr-TR" sz="1500" b="1" dirty="0">
+                <a:latin typeface="Times New Roman" panose="02020603050405020304" pitchFamily="18" charset="0"/>
+                <a:cs typeface="Times New Roman" panose="02020603050405020304" pitchFamily="18" charset="0"/>
+              </a:rPr>
+              <a:t>Yüz tanıma, yüz tespiti, yüz modelleme. Özellikle bilgisayarlı görü, yapay zeka ve nesne tanıma projelerinde tercih edilir.</a:t>
+            </a:r>
+          </a:p>
+          <a:p>
+            <a:pPr lvl="1"/>
+            <a:r>
+              <a:rPr lang="tr-TR" sz="1500" b="1" dirty="0">
+                <a:latin typeface="Times New Roman" panose="02020603050405020304" pitchFamily="18" charset="0"/>
+                <a:cs typeface="Times New Roman" panose="02020603050405020304" pitchFamily="18" charset="0"/>
+              </a:rPr>
+              <a:t>Örnek kullanım alanları şunları içerir: yüz tanıma tabanlı otomasyon, nesne tanıma tabanlı güvenlik sistemleri, duygu analizi, yüz ifadesi analizi, nesne takibi ve daha fazlası.</a:t>
+            </a:r>
+          </a:p>
+          <a:p>
+            <a:pPr lvl="1"/>
+            <a:endParaRPr lang="tr-TR" sz="1500" b="1" dirty="0">
+              <a:latin typeface="Times New Roman" panose="02020603050405020304" pitchFamily="18" charset="0"/>
+              <a:cs typeface="Times New Roman" panose="02020603050405020304" pitchFamily="18" charset="0"/>
+            </a:endParaRPr>
+          </a:p>
+          <a:p>
+            <a:pPr marL="0" lvl="1"/>
+            <a:r>
+              <a:rPr lang="tr-TR" b="1" dirty="0" err="1">
+                <a:solidFill>
+                  <a:srgbClr val="FFFF00"/>
+                </a:solidFill>
+                <a:latin typeface="Times New Roman" panose="02020603050405020304" pitchFamily="18" charset="0"/>
+                <a:cs typeface="Times New Roman" panose="02020603050405020304" pitchFamily="18" charset="0"/>
+              </a:rPr>
+              <a:t>MediaPipe</a:t>
+            </a:r>
+            <a:r>
+              <a:rPr lang="tr-TR" b="1" dirty="0">
+                <a:solidFill>
+                  <a:srgbClr val="FFFF00"/>
+                </a:solidFill>
+                <a:latin typeface="Times New Roman" panose="02020603050405020304" pitchFamily="18" charset="0"/>
+                <a:cs typeface="Times New Roman" panose="02020603050405020304" pitchFamily="18" charset="0"/>
+              </a:rPr>
+              <a:t>: </a:t>
+            </a:r>
+            <a:r>
+              <a:rPr lang="tr-TR" sz="1500" b="1" dirty="0" err="1">
+                <a:latin typeface="Times New Roman" panose="02020603050405020304" pitchFamily="18" charset="0"/>
+                <a:cs typeface="Times New Roman" panose="02020603050405020304" pitchFamily="18" charset="0"/>
+              </a:rPr>
+              <a:t>MediaPipe</a:t>
+            </a:r>
+            <a:r>
+              <a:rPr lang="tr-TR" sz="1500" b="1" dirty="0">
+                <a:latin typeface="Times New Roman" panose="02020603050405020304" pitchFamily="18" charset="0"/>
+                <a:cs typeface="Times New Roman" panose="02020603050405020304" pitchFamily="18" charset="0"/>
+              </a:rPr>
+              <a:t> Google tarafından sunulan, </a:t>
+            </a:r>
+            <a:r>
+              <a:rPr lang="tr-TR" sz="1500" b="1" dirty="0" err="1">
+                <a:latin typeface="Times New Roman" panose="02020603050405020304" pitchFamily="18" charset="0"/>
+                <a:cs typeface="Times New Roman" panose="02020603050405020304" pitchFamily="18" charset="0"/>
+              </a:rPr>
+              <a:t>cross</a:t>
+            </a:r>
+            <a:r>
+              <a:rPr lang="tr-TR" sz="1500" b="1" dirty="0">
+                <a:latin typeface="Times New Roman" panose="02020603050405020304" pitchFamily="18" charset="0"/>
+                <a:cs typeface="Times New Roman" panose="02020603050405020304" pitchFamily="18" charset="0"/>
+              </a:rPr>
+              <a:t>-platform makine öğrenmesi çözümleri sunan açık kaynak bir çerçeve olarak tanımlanabilir.</a:t>
+            </a:r>
+          </a:p>
+          <a:p>
+            <a:pPr marL="685800" lvl="3"/>
+            <a:r>
+              <a:rPr lang="tr-TR" sz="1500" b="1" dirty="0" err="1">
+                <a:latin typeface="Times New Roman" panose="02020603050405020304" pitchFamily="18" charset="0"/>
+                <a:cs typeface="Times New Roman" panose="02020603050405020304" pitchFamily="18" charset="0"/>
+              </a:rPr>
+              <a:t>Selfie</a:t>
+            </a:r>
+            <a:r>
+              <a:rPr lang="tr-TR" sz="1500" b="1" dirty="0">
+                <a:latin typeface="Times New Roman" panose="02020603050405020304" pitchFamily="18" charset="0"/>
+                <a:cs typeface="Times New Roman" panose="02020603050405020304" pitchFamily="18" charset="0"/>
+              </a:rPr>
+              <a:t> </a:t>
+            </a:r>
+            <a:r>
+              <a:rPr lang="tr-TR" sz="1500" b="1" dirty="0" err="1">
+                <a:latin typeface="Times New Roman" panose="02020603050405020304" pitchFamily="18" charset="0"/>
+                <a:cs typeface="Times New Roman" panose="02020603050405020304" pitchFamily="18" charset="0"/>
+              </a:rPr>
+              <a:t>Segmentation</a:t>
+            </a:r>
+            <a:r>
+              <a:rPr lang="tr-TR" sz="1500" b="1" dirty="0">
+                <a:latin typeface="Times New Roman" panose="02020603050405020304" pitchFamily="18" charset="0"/>
+                <a:cs typeface="Times New Roman" panose="02020603050405020304" pitchFamily="18" charset="0"/>
+              </a:rPr>
+              <a:t> </a:t>
+            </a:r>
+          </a:p>
+          <a:p>
+            <a:pPr marL="685800" lvl="3"/>
+            <a:r>
+              <a:rPr lang="tr-TR" sz="1500" b="1" dirty="0" err="1">
+                <a:latin typeface="Times New Roman" panose="02020603050405020304" pitchFamily="18" charset="0"/>
+                <a:cs typeface="Times New Roman" panose="02020603050405020304" pitchFamily="18" charset="0"/>
+              </a:rPr>
+              <a:t>Hand</a:t>
+            </a:r>
+            <a:r>
+              <a:rPr lang="tr-TR" sz="1500" b="1" dirty="0">
+                <a:latin typeface="Times New Roman" panose="02020603050405020304" pitchFamily="18" charset="0"/>
+                <a:cs typeface="Times New Roman" panose="02020603050405020304" pitchFamily="18" charset="0"/>
+              </a:rPr>
+              <a:t> </a:t>
+            </a:r>
+            <a:r>
+              <a:rPr lang="tr-TR" sz="1500" b="1" dirty="0" err="1">
+                <a:latin typeface="Times New Roman" panose="02020603050405020304" pitchFamily="18" charset="0"/>
+                <a:cs typeface="Times New Roman" panose="02020603050405020304" pitchFamily="18" charset="0"/>
+              </a:rPr>
+              <a:t>Landmark</a:t>
+            </a:r>
+            <a:r>
+              <a:rPr lang="tr-TR" sz="1500" b="1" dirty="0">
+                <a:latin typeface="Times New Roman" panose="02020603050405020304" pitchFamily="18" charset="0"/>
+                <a:cs typeface="Times New Roman" panose="02020603050405020304" pitchFamily="18" charset="0"/>
+              </a:rPr>
+              <a:t> </a:t>
+            </a:r>
+            <a:r>
+              <a:rPr lang="tr-TR" sz="1500" b="1" dirty="0" err="1">
+                <a:latin typeface="Times New Roman" panose="02020603050405020304" pitchFamily="18" charset="0"/>
+                <a:cs typeface="Times New Roman" panose="02020603050405020304" pitchFamily="18" charset="0"/>
+              </a:rPr>
+              <a:t>Detection</a:t>
+            </a:r>
+            <a:endParaRPr lang="tr-TR" sz="1500" b="1" dirty="0">
+              <a:latin typeface="Times New Roman" panose="02020603050405020304" pitchFamily="18" charset="0"/>
+              <a:cs typeface="Times New Roman" panose="02020603050405020304" pitchFamily="18" charset="0"/>
+            </a:endParaRPr>
+          </a:p>
+          <a:p>
+            <a:pPr marL="685800" lvl="3"/>
+            <a:r>
+              <a:rPr lang="tr-TR" sz="1500" b="1" dirty="0" err="1">
+                <a:latin typeface="Times New Roman" panose="02020603050405020304" pitchFamily="18" charset="0"/>
+                <a:cs typeface="Times New Roman" panose="02020603050405020304" pitchFamily="18" charset="0"/>
+              </a:rPr>
+              <a:t>Face</a:t>
+            </a:r>
+            <a:r>
+              <a:rPr lang="tr-TR" sz="1500" b="1" dirty="0">
+                <a:latin typeface="Times New Roman" panose="02020603050405020304" pitchFamily="18" charset="0"/>
+                <a:cs typeface="Times New Roman" panose="02020603050405020304" pitchFamily="18" charset="0"/>
+              </a:rPr>
+              <a:t> </a:t>
+            </a:r>
+            <a:r>
+              <a:rPr lang="tr-TR" sz="1500" b="1" dirty="0" err="1">
+                <a:latin typeface="Times New Roman" panose="02020603050405020304" pitchFamily="18" charset="0"/>
+                <a:cs typeface="Times New Roman" panose="02020603050405020304" pitchFamily="18" charset="0"/>
+              </a:rPr>
+              <a:t>Detection</a:t>
+            </a:r>
+            <a:endParaRPr lang="tr-TR" sz="1500" b="1" dirty="0">
+              <a:latin typeface="Times New Roman" panose="02020603050405020304" pitchFamily="18" charset="0"/>
+              <a:cs typeface="Times New Roman" panose="02020603050405020304" pitchFamily="18" charset="0"/>
+            </a:endParaRPr>
+          </a:p>
+          <a:p>
+            <a:pPr marL="685800" lvl="3"/>
+            <a:r>
+              <a:rPr lang="tr-TR" sz="1500" b="1" dirty="0" err="1">
+                <a:latin typeface="Times New Roman" panose="02020603050405020304" pitchFamily="18" charset="0"/>
+                <a:cs typeface="Times New Roman" panose="02020603050405020304" pitchFamily="18" charset="0"/>
+              </a:rPr>
+              <a:t>Face</a:t>
+            </a:r>
+            <a:r>
+              <a:rPr lang="tr-TR" sz="1500" b="1" dirty="0">
+                <a:latin typeface="Times New Roman" panose="02020603050405020304" pitchFamily="18" charset="0"/>
+                <a:cs typeface="Times New Roman" panose="02020603050405020304" pitchFamily="18" charset="0"/>
+              </a:rPr>
+              <a:t> </a:t>
+            </a:r>
+            <a:r>
+              <a:rPr lang="tr-TR" sz="1500" b="1" dirty="0" err="1">
+                <a:latin typeface="Times New Roman" panose="02020603050405020304" pitchFamily="18" charset="0"/>
+                <a:cs typeface="Times New Roman" panose="02020603050405020304" pitchFamily="18" charset="0"/>
+              </a:rPr>
+              <a:t>Landmark</a:t>
+            </a:r>
+            <a:r>
+              <a:rPr lang="tr-TR" sz="1500" b="1" dirty="0">
+                <a:latin typeface="Times New Roman" panose="02020603050405020304" pitchFamily="18" charset="0"/>
+                <a:cs typeface="Times New Roman" panose="02020603050405020304" pitchFamily="18" charset="0"/>
+              </a:rPr>
+              <a:t> </a:t>
+            </a:r>
+            <a:r>
+              <a:rPr lang="tr-TR" sz="1500" b="1" dirty="0" err="1">
+                <a:latin typeface="Times New Roman" panose="02020603050405020304" pitchFamily="18" charset="0"/>
+                <a:cs typeface="Times New Roman" panose="02020603050405020304" pitchFamily="18" charset="0"/>
+              </a:rPr>
+              <a:t>Detection</a:t>
+            </a:r>
+            <a:endParaRPr lang="tr-TR" sz="1500" b="1" dirty="0">
+              <a:latin typeface="Times New Roman" panose="02020603050405020304" pitchFamily="18" charset="0"/>
+              <a:cs typeface="Times New Roman" panose="02020603050405020304" pitchFamily="18" charset="0"/>
+            </a:endParaRPr>
+          </a:p>
+          <a:p>
+            <a:pPr marL="685800" lvl="3"/>
+            <a:r>
+              <a:rPr lang="tr-TR" sz="1500" b="1" dirty="0" err="1">
+                <a:latin typeface="Times New Roman" panose="02020603050405020304" pitchFamily="18" charset="0"/>
+                <a:cs typeface="Times New Roman" panose="02020603050405020304" pitchFamily="18" charset="0"/>
+              </a:rPr>
+              <a:t>Gesture</a:t>
+            </a:r>
+            <a:r>
+              <a:rPr lang="tr-TR" sz="1500" b="1" dirty="0">
+                <a:latin typeface="Times New Roman" panose="02020603050405020304" pitchFamily="18" charset="0"/>
+                <a:cs typeface="Times New Roman" panose="02020603050405020304" pitchFamily="18" charset="0"/>
+              </a:rPr>
+              <a:t> </a:t>
+            </a:r>
+            <a:r>
+              <a:rPr lang="tr-TR" sz="1500" b="1" dirty="0" err="1">
+                <a:latin typeface="Times New Roman" panose="02020603050405020304" pitchFamily="18" charset="0"/>
+                <a:cs typeface="Times New Roman" panose="02020603050405020304" pitchFamily="18" charset="0"/>
+              </a:rPr>
+              <a:t>Recognition</a:t>
+            </a:r>
+            <a:endParaRPr lang="tr-TR" sz="1500" b="1" dirty="0">
+              <a:latin typeface="Times New Roman" panose="02020603050405020304" pitchFamily="18" charset="0"/>
+              <a:cs typeface="Times New Roman" panose="02020603050405020304" pitchFamily="18" charset="0"/>
+            </a:endParaRPr>
+          </a:p>
+          <a:p>
+            <a:pPr marL="685800" lvl="3"/>
+            <a:r>
+              <a:rPr lang="tr-TR" sz="1500" b="1" dirty="0">
+                <a:latin typeface="Times New Roman" panose="02020603050405020304" pitchFamily="18" charset="0"/>
+                <a:cs typeface="Times New Roman" panose="02020603050405020304" pitchFamily="18" charset="0"/>
+              </a:rPr>
+              <a:t>Interactive </a:t>
+            </a:r>
+            <a:r>
+              <a:rPr lang="tr-TR" sz="1500" b="1" dirty="0" err="1">
+                <a:latin typeface="Times New Roman" panose="02020603050405020304" pitchFamily="18" charset="0"/>
+                <a:cs typeface="Times New Roman" panose="02020603050405020304" pitchFamily="18" charset="0"/>
+              </a:rPr>
+              <a:t>Segmentation</a:t>
+            </a:r>
+            <a:endParaRPr lang="tr-TR" sz="1500" b="1" dirty="0">
+              <a:latin typeface="Times New Roman" panose="02020603050405020304" pitchFamily="18" charset="0"/>
+              <a:cs typeface="Times New Roman" panose="02020603050405020304" pitchFamily="18" charset="0"/>
+            </a:endParaRPr>
+          </a:p>
+          <a:p>
+            <a:pPr marL="685800" lvl="3"/>
+            <a:r>
+              <a:rPr lang="tr-TR" sz="1500" b="1" dirty="0" err="1">
+                <a:latin typeface="Times New Roman" panose="02020603050405020304" pitchFamily="18" charset="0"/>
+                <a:cs typeface="Times New Roman" panose="02020603050405020304" pitchFamily="18" charset="0"/>
+              </a:rPr>
+              <a:t>Pose</a:t>
+            </a:r>
+            <a:r>
+              <a:rPr lang="tr-TR" sz="1500" b="1" dirty="0">
+                <a:latin typeface="Times New Roman" panose="02020603050405020304" pitchFamily="18" charset="0"/>
+                <a:cs typeface="Times New Roman" panose="02020603050405020304" pitchFamily="18" charset="0"/>
+              </a:rPr>
+              <a:t> </a:t>
+            </a:r>
+            <a:r>
+              <a:rPr lang="tr-TR" sz="1500" b="1" dirty="0" err="1">
+                <a:latin typeface="Times New Roman" panose="02020603050405020304" pitchFamily="18" charset="0"/>
+                <a:cs typeface="Times New Roman" panose="02020603050405020304" pitchFamily="18" charset="0"/>
+              </a:rPr>
+              <a:t>Landmark</a:t>
+            </a:r>
+            <a:r>
+              <a:rPr lang="tr-TR" sz="1500" b="1" dirty="0">
+                <a:latin typeface="Times New Roman" panose="02020603050405020304" pitchFamily="18" charset="0"/>
+                <a:cs typeface="Times New Roman" panose="02020603050405020304" pitchFamily="18" charset="0"/>
+              </a:rPr>
+              <a:t> </a:t>
+            </a:r>
+            <a:r>
+              <a:rPr lang="tr-TR" sz="1500" b="1" dirty="0" err="1">
+                <a:latin typeface="Times New Roman" panose="02020603050405020304" pitchFamily="18" charset="0"/>
+                <a:cs typeface="Times New Roman" panose="02020603050405020304" pitchFamily="18" charset="0"/>
+              </a:rPr>
+              <a:t>Detection</a:t>
+            </a:r>
+            <a:endParaRPr lang="tr-TR" sz="1500" b="1" dirty="0">
+              <a:latin typeface="Times New Roman" panose="02020603050405020304" pitchFamily="18" charset="0"/>
+              <a:cs typeface="Times New Roman" panose="02020603050405020304" pitchFamily="18" charset="0"/>
+            </a:endParaRPr>
+          </a:p>
+          <a:p>
+            <a:pPr marL="685800" lvl="3"/>
+            <a:r>
+              <a:rPr lang="tr-TR" sz="1500" b="1" dirty="0">
+                <a:latin typeface="Times New Roman" panose="02020603050405020304" pitchFamily="18" charset="0"/>
+                <a:cs typeface="Times New Roman" panose="02020603050405020304" pitchFamily="18" charset="0"/>
+              </a:rPr>
+              <a:t>Object </a:t>
+            </a:r>
+            <a:r>
+              <a:rPr lang="tr-TR" sz="1500" b="1" dirty="0" err="1">
+                <a:latin typeface="Times New Roman" panose="02020603050405020304" pitchFamily="18" charset="0"/>
+                <a:cs typeface="Times New Roman" panose="02020603050405020304" pitchFamily="18" charset="0"/>
+              </a:rPr>
+              <a:t>Detection</a:t>
+            </a:r>
+            <a:endParaRPr lang="tr-TR" sz="1500" b="1" dirty="0">
+              <a:latin typeface="Times New Roman" panose="02020603050405020304" pitchFamily="18" charset="0"/>
+              <a:cs typeface="Times New Roman" panose="02020603050405020304" pitchFamily="18" charset="0"/>
+            </a:endParaRPr>
+          </a:p>
+        </p:txBody>
+      </p:sp>
+    </p:spTree>
+    <p:extLst>
+      <p:ext uri="{BB962C8B-B14F-4D97-AF65-F5344CB8AC3E}">
+        <p14:creationId xmlns:p14="http://schemas.microsoft.com/office/powerpoint/2010/main" val="3564855008"/>
+      </p:ext>
+    </p:extLst>
+  </p:cSld>
+  <p:clrMapOvr>
+    <a:masterClrMapping/>
+  </p:clrMapOvr>
+</p:sld>
+</file>
+
+<file path=ppt/slides/slide38.xml><?xml version="1.0" encoding="utf-8"?>
 <p:sld xmlns:a="http://schemas.openxmlformats.org/drawingml/2006/main" xmlns:r="http://schemas.openxmlformats.org/officeDocument/2006/relationships" xmlns:p="http://schemas.openxmlformats.org/presentationml/2006/main">
   <p:cSld>
     <p:spTree>
@@ -16424,7 +16889,7 @@
         </p:nvSpPr>
         <p:spPr>
           <a:xfrm>
-            <a:off x="628650" y="1369219"/>
+            <a:off x="483507" y="1268016"/>
             <a:ext cx="3635853" cy="3263504"/>
           </a:xfrm>
         </p:spPr>
